--- a/day-11/Spatial Data analysis in Python.pptx
+++ b/day-11/Spatial Data analysis in Python.pptx
@@ -10,7 +10,8 @@
     <p:sldId id="257" r:id="rId4"/>
     <p:sldId id="258" r:id="rId5"/>
     <p:sldId id="260" r:id="rId6"/>
-    <p:sldId id="261" r:id="rId7"/>
+    <p:sldId id="262" r:id="rId7"/>
+    <p:sldId id="261" r:id="rId8"/>
   </p:sldIdLst>
   <p:sldSz cx="9144000" cy="6858000" type="screen4x3"/>
   <p:notesSz cx="6858000" cy="9144000"/>
@@ -403,7 +404,7 @@
           <a:p>
             <a:fld id="{D15E7FF1-600C-7548-9500-92332669919A}" type="datetimeFigureOut">
               <a:rPr lang="en-US" smtClean="0"/>
-              <a:t>7/19/14</a:t>
+              <a:t>7/22/14</a:t>
             </a:fld>
             <a:endParaRPr lang="en-US"/>
           </a:p>
@@ -595,7 +596,7 @@
           <a:p>
             <a:fld id="{D15E7FF1-600C-7548-9500-92332669919A}" type="datetimeFigureOut">
               <a:rPr lang="en-US" smtClean="0"/>
-              <a:t>7/19/14</a:t>
+              <a:t>7/22/14</a:t>
             </a:fld>
             <a:endParaRPr lang="en-US"/>
           </a:p>
@@ -780,7 +781,7 @@
           <a:p>
             <a:fld id="{D15E7FF1-600C-7548-9500-92332669919A}" type="datetimeFigureOut">
               <a:rPr lang="en-US" smtClean="0"/>
-              <a:t>7/19/14</a:t>
+              <a:t>7/22/14</a:t>
             </a:fld>
             <a:endParaRPr lang="en-US"/>
           </a:p>
@@ -1043,7 +1044,7 @@
           <a:p>
             <a:fld id="{D15E7FF1-600C-7548-9500-92332669919A}" type="datetimeFigureOut">
               <a:rPr lang="en-US" smtClean="0"/>
-              <a:t>7/19/14</a:t>
+              <a:t>7/22/14</a:t>
             </a:fld>
             <a:endParaRPr lang="en-US"/>
           </a:p>
@@ -1459,7 +1460,7 @@
           <a:p>
             <a:fld id="{D15E7FF1-600C-7548-9500-92332669919A}" type="datetimeFigureOut">
               <a:rPr lang="en-US" smtClean="0"/>
-              <a:t>7/19/14</a:t>
+              <a:t>7/22/14</a:t>
             </a:fld>
             <a:endParaRPr lang="en-US"/>
           </a:p>
@@ -1701,7 +1702,7 @@
           <a:p>
             <a:fld id="{D15E7FF1-600C-7548-9500-92332669919A}" type="datetimeFigureOut">
               <a:rPr lang="en-US" smtClean="0"/>
-              <a:t>7/19/14</a:t>
+              <a:t>7/22/14</a:t>
             </a:fld>
             <a:endParaRPr lang="en-US"/>
           </a:p>
@@ -1937,7 +1938,7 @@
           <a:p>
             <a:fld id="{D15E7FF1-600C-7548-9500-92332669919A}" type="datetimeFigureOut">
               <a:rPr lang="en-US" smtClean="0"/>
-              <a:t>7/19/14</a:t>
+              <a:t>7/22/14</a:t>
             </a:fld>
             <a:endParaRPr lang="en-US"/>
           </a:p>
@@ -2132,7 +2133,7 @@
           <a:p>
             <a:fld id="{D15E7FF1-600C-7548-9500-92332669919A}" type="datetimeFigureOut">
               <a:rPr lang="en-US" smtClean="0"/>
-              <a:t>7/19/14</a:t>
+              <a:t>7/22/14</a:t>
             </a:fld>
             <a:endParaRPr lang="en-US"/>
           </a:p>
@@ -2230,7 +2231,7 @@
           <a:p>
             <a:fld id="{D15E7FF1-600C-7548-9500-92332669919A}" type="datetimeFigureOut">
               <a:rPr lang="en-US" smtClean="0"/>
-              <a:t>7/19/14</a:t>
+              <a:t>7/22/14</a:t>
             </a:fld>
             <a:endParaRPr lang="en-US"/>
           </a:p>
@@ -2366,7 +2367,7 @@
           <a:p>
             <a:fld id="{D15E7FF1-600C-7548-9500-92332669919A}" type="datetimeFigureOut">
               <a:rPr lang="en-US" smtClean="0"/>
-              <a:t>7/19/14</a:t>
+              <a:t>7/22/14</a:t>
             </a:fld>
             <a:endParaRPr lang="en-US"/>
           </a:p>
@@ -2884,7 +2885,7 @@
           <a:p>
             <a:fld id="{D15E7FF1-600C-7548-9500-92332669919A}" type="datetimeFigureOut">
               <a:rPr lang="en-US" smtClean="0"/>
-              <a:t>7/19/14</a:t>
+              <a:t>7/22/14</a:t>
             </a:fld>
             <a:endParaRPr lang="en-US"/>
           </a:p>
@@ -3145,7 +3146,7 @@
           <a:p>
             <a:fld id="{D15E7FF1-600C-7548-9500-92332669919A}" type="datetimeFigureOut">
               <a:rPr lang="en-US" smtClean="0"/>
-              <a:t>7/19/14</a:t>
+              <a:t>7/22/14</a:t>
             </a:fld>
             <a:endParaRPr lang="en-US"/>
           </a:p>
@@ -4320,8 +4321,12 @@
           <a:lstStyle/>
           <a:p>
             <a:r>
-              <a:rPr lang="en-US" dirty="0" smtClean="0"/>
-              <a:t>Example (DO NOT DISPLAY)</a:t>
+              <a:rPr lang="en-US" dirty="0" err="1" smtClean="0"/>
+              <a:t>IPython</a:t>
+            </a:r>
+            <a:r>
+              <a:rPr lang="en-US" dirty="0" smtClean="0"/>
+              <a:t> Notebook</a:t>
             </a:r>
             <a:endParaRPr lang="en-US" dirty="0"/>
           </a:p>
@@ -4342,71 +4347,191 @@
           <a:bodyPr/>
           <a:lstStyle/>
           <a:p>
+            <a:r>
+              <a:rPr lang="en-US" dirty="0" err="1" smtClean="0"/>
+              <a:t>Matlab</a:t>
+            </a:r>
+            <a:r>
+              <a:rPr lang="en-US" dirty="0" smtClean="0"/>
+              <a:t> like interface in browser</a:t>
+            </a:r>
+          </a:p>
+          <a:p>
+            <a:r>
+              <a:rPr lang="en-US" dirty="0" smtClean="0"/>
+              <a:t>Handle basic graphing and visualization</a:t>
+            </a:r>
+          </a:p>
+          <a:p>
+            <a:r>
+              <a:rPr lang="en-US" dirty="0" smtClean="0"/>
+              <a:t>Tabular view of data</a:t>
+            </a:r>
+          </a:p>
+          <a:p>
+            <a:r>
+              <a:rPr lang="en-US" dirty="0" smtClean="0"/>
+              <a:t>Intersperse explanation with code and format for the web. </a:t>
+            </a:r>
+            <a:endParaRPr lang="en-US" dirty="0"/>
+          </a:p>
+          <a:p>
+            <a:pPr lvl="1"/>
+            <a:r>
+              <a:rPr lang="en-US" dirty="0" smtClean="0"/>
+              <a:t>This is called “Literate Programming”</a:t>
+            </a:r>
+          </a:p>
+          <a:p>
+            <a:r>
+              <a:rPr lang="en-US" i="1" dirty="0" smtClean="0"/>
+              <a:t>(Tour of the </a:t>
+            </a:r>
+            <a:r>
+              <a:rPr lang="en-US" i="1" dirty="0" err="1" smtClean="0"/>
+              <a:t>IPython</a:t>
+            </a:r>
+            <a:r>
+              <a:rPr lang="en-US" i="1" dirty="0" smtClean="0"/>
+              <a:t> Notebook interface)</a:t>
+            </a:r>
+            <a:endParaRPr lang="en-US" i="1" dirty="0"/>
+          </a:p>
+        </p:txBody>
+      </p:sp>
+    </p:spTree>
+    <p:extLst>
+      <p:ext uri="{BB962C8B-B14F-4D97-AF65-F5344CB8AC3E}">
+        <p14:creationId xmlns:p14="http://schemas.microsoft.com/office/powerpoint/2010/main" val="1375036459"/>
+      </p:ext>
+    </p:extLst>
+  </p:cSld>
+  <p:clrMapOvr>
+    <a:masterClrMapping/>
+  </p:clrMapOvr>
+</p:sld>
+</file>
+
+<file path=ppt/slides/slide7.xml><?xml version="1.0" encoding="utf-8"?>
+<p:sld xmlns:a="http://schemas.openxmlformats.org/drawingml/2006/main" xmlns:r="http://schemas.openxmlformats.org/officeDocument/2006/relationships" xmlns:p="http://schemas.openxmlformats.org/presentationml/2006/main">
+  <p:cSld>
+    <p:spTree>
+      <p:nvGrpSpPr>
+        <p:cNvPr id="1" name=""/>
+        <p:cNvGrpSpPr/>
+        <p:nvPr/>
+      </p:nvGrpSpPr>
+      <p:grpSpPr>
+        <a:xfrm>
+          <a:off x="0" y="0"/>
+          <a:ext cx="0" cy="0"/>
+          <a:chOff x="0" y="0"/>
+          <a:chExt cx="0" cy="0"/>
+        </a:xfrm>
+      </p:grpSpPr>
+      <p:sp>
+        <p:nvSpPr>
+          <p:cNvPr id="2" name="Title 1"/>
+          <p:cNvSpPr>
+            <a:spLocks noGrp="1"/>
+          </p:cNvSpPr>
+          <p:nvPr>
+            <p:ph type="title"/>
+          </p:nvPr>
+        </p:nvSpPr>
+        <p:spPr/>
+        <p:txBody>
+          <a:bodyPr/>
+          <a:lstStyle/>
+          <a:p>
+            <a:r>
+              <a:rPr lang="en-US" dirty="0" smtClean="0"/>
+              <a:t>Examples </a:t>
+            </a:r>
+            <a:r>
+              <a:rPr lang="en-US" dirty="0" smtClean="0"/>
+              <a:t>(DO NOT DISPLAY)</a:t>
+            </a:r>
+            <a:endParaRPr lang="en-US" dirty="0"/>
+          </a:p>
+        </p:txBody>
+      </p:sp>
+      <p:sp>
+        <p:nvSpPr>
+          <p:cNvPr id="3" name="Content Placeholder 2"/>
+          <p:cNvSpPr>
+            <a:spLocks noGrp="1"/>
+          </p:cNvSpPr>
+          <p:nvPr>
+            <p:ph sz="quarter" idx="1"/>
+          </p:nvPr>
+        </p:nvSpPr>
+        <p:spPr/>
+        <p:txBody>
+          <a:bodyPr/>
+          <a:lstStyle/>
+          <a:p>
+            <a:r>
+              <a:rPr lang="en-US" smtClean="0"/>
+              <a:t>IPython</a:t>
+            </a:r>
+            <a:r>
+              <a:rPr lang="en-US" dirty="0" smtClean="0"/>
+              <a:t> </a:t>
+            </a:r>
+            <a:r>
+              <a:rPr lang="en-US" dirty="0" smtClean="0"/>
+              <a:t>notebooks with</a:t>
+            </a:r>
+          </a:p>
+          <a:p>
+            <a:pPr lvl="1"/>
+            <a:r>
+              <a:rPr lang="en-US" dirty="0" smtClean="0"/>
+              <a:t>Open a point dataset for whole US</a:t>
+            </a:r>
+          </a:p>
+          <a:p>
+            <a:pPr lvl="1"/>
+            <a:r>
+              <a:rPr lang="en-US" dirty="0" smtClean="0"/>
+              <a:t>Open a river dataset or road dataset</a:t>
+            </a:r>
+          </a:p>
+          <a:p>
+            <a:pPr lvl="1"/>
+            <a:r>
+              <a:rPr lang="en-US" dirty="0" smtClean="0"/>
+              <a:t>Create a buffer from the coarse geometry</a:t>
+            </a:r>
+          </a:p>
+          <a:p>
+            <a:pPr lvl="1"/>
+            <a:r>
+              <a:rPr lang="en-US" dirty="0" smtClean="0"/>
+              <a:t>Aggregate points by the coarser geometry and perform basic statistics</a:t>
+            </a:r>
+          </a:p>
+          <a:p>
+            <a:pPr lvl="1"/>
+            <a:r>
+              <a:rPr lang="en-US" dirty="0" smtClean="0"/>
+              <a:t>Show statistics in </a:t>
+            </a:r>
             <a:r>
               <a:rPr lang="en-US" dirty="0" err="1" smtClean="0"/>
               <a:t>Ipython</a:t>
             </a:r>
             <a:r>
               <a:rPr lang="en-US" dirty="0" smtClean="0"/>
-              <a:t> notebooks with</a:t>
+              <a:t> </a:t>
             </a:r>
           </a:p>
           <a:p>
             <a:pPr lvl="1"/>
             <a:r>
               <a:rPr lang="en-US" dirty="0" smtClean="0"/>
-              <a:t>Open a point dataset for whole US</a:t>
-            </a:r>
-          </a:p>
-          <a:p>
-            <a:pPr lvl="1"/>
-            <a:r>
-              <a:rPr lang="en-US" dirty="0" smtClean="0"/>
-              <a:t>Open a river dataset or road dataset</a:t>
-            </a:r>
-          </a:p>
-          <a:p>
-            <a:pPr lvl="1"/>
-            <a:r>
-              <a:rPr lang="en-US" dirty="0" smtClean="0"/>
-              <a:t>Create a buffer from the coarse geometry</a:t>
-            </a:r>
-          </a:p>
-          <a:p>
-            <a:pPr lvl="1"/>
-            <a:r>
-              <a:rPr lang="en-US" dirty="0" smtClean="0"/>
-              <a:t>Aggregate points by the coarser geometry and perform basic statistics</a:t>
-            </a:r>
-          </a:p>
-          <a:p>
-            <a:pPr lvl="1"/>
-            <a:r>
-              <a:rPr lang="en-US" dirty="0" smtClean="0"/>
-              <a:t>Show statistics in </a:t>
-            </a:r>
-            <a:r>
-              <a:rPr lang="en-US" dirty="0" err="1" smtClean="0"/>
-              <a:t>Ipython</a:t>
-            </a:r>
-            <a:r>
-              <a:rPr lang="en-US" dirty="0" smtClean="0"/>
-              <a:t> </a:t>
-            </a:r>
-          </a:p>
-          <a:p>
-            <a:pPr lvl="1"/>
-            <a:r>
-              <a:rPr lang="en-US" dirty="0" smtClean="0"/>
-              <a:t>Write out new spatially aggregated file using </a:t>
-            </a:r>
-            <a:r>
-              <a:rPr lang="en-US" smtClean="0"/>
-              <a:t>the coarse </a:t>
-            </a:r>
-            <a:r>
-              <a:rPr lang="en-US" dirty="0" smtClean="0"/>
-              <a:t>geometry</a:t>
+              <a:t>Write out new spatially aggregated file using the coarse geometry</a:t>
             </a:r>
             <a:endParaRPr lang="en-US" dirty="0"/>
           </a:p>
